--- a/VB_AND_VB.NET/L7 Decisions and debugging.pptx
+++ b/VB_AND_VB.NET/L7 Decisions and debugging.pptx
@@ -218,7 +218,7 @@
           <a:p>
             <a:fld id="{75124139-BA33-9F4C-B908-4FDD8BB8A18B}" type="datetimeFigureOut">
               <a:rPr lang="en-US" smtClean="0"/>
-              <a:t>2/25/21</a:t>
+              <a:t>12/26/21</a:t>
             </a:fld>
             <a:endParaRPr lang="en-US"/>
           </a:p>
@@ -2395,7 +2395,7 @@
           <a:p>
             <a:fld id="{D19AAE9D-61D7-A845-B687-5F14A6752CE6}" type="datetimeFigureOut">
               <a:rPr lang="en-US" smtClean="0"/>
-              <a:t>2/25/21</a:t>
+              <a:t>12/26/21</a:t>
             </a:fld>
             <a:endParaRPr lang="en-US"/>
           </a:p>
@@ -2729,7 +2729,7 @@
           <a:p>
             <a:fld id="{D19AAE9D-61D7-A845-B687-5F14A6752CE6}" type="datetimeFigureOut">
               <a:rPr lang="en-US" smtClean="0"/>
-              <a:t>2/25/21</a:t>
+              <a:t>12/26/21</a:t>
             </a:fld>
             <a:endParaRPr lang="en-US"/>
           </a:p>
@@ -3007,7 +3007,7 @@
           <a:p>
             <a:fld id="{D19AAE9D-61D7-A845-B687-5F14A6752CE6}" type="datetimeFigureOut">
               <a:rPr lang="en-US" smtClean="0"/>
-              <a:t>2/25/21</a:t>
+              <a:t>12/26/21</a:t>
             </a:fld>
             <a:endParaRPr lang="en-US"/>
           </a:p>
@@ -3575,7 +3575,7 @@
           <a:p>
             <a:fld id="{D19AAE9D-61D7-A845-B687-5F14A6752CE6}" type="datetimeFigureOut">
               <a:rPr lang="en-US" smtClean="0"/>
-              <a:t>2/25/21</a:t>
+              <a:t>12/26/21</a:t>
             </a:fld>
             <a:endParaRPr lang="en-US"/>
           </a:p>
@@ -3853,7 +3853,7 @@
           <a:p>
             <a:fld id="{D19AAE9D-61D7-A845-B687-5F14A6752CE6}" type="datetimeFigureOut">
               <a:rPr lang="en-US" smtClean="0"/>
-              <a:t>2/25/21</a:t>
+              <a:t>12/26/21</a:t>
             </a:fld>
             <a:endParaRPr lang="en-US"/>
           </a:p>
@@ -4415,7 +4415,7 @@
           <a:p>
             <a:fld id="{D19AAE9D-61D7-A845-B687-5F14A6752CE6}" type="datetimeFigureOut">
               <a:rPr lang="en-US" smtClean="0"/>
-              <a:t>2/25/21</a:t>
+              <a:t>12/26/21</a:t>
             </a:fld>
             <a:endParaRPr lang="en-US"/>
           </a:p>
@@ -4742,7 +4742,7 @@
           <a:p>
             <a:fld id="{D19AAE9D-61D7-A845-B687-5F14A6752CE6}" type="datetimeFigureOut">
               <a:rPr lang="en-US" smtClean="0"/>
-              <a:t>2/25/21</a:t>
+              <a:t>12/26/21</a:t>
             </a:fld>
             <a:endParaRPr lang="en-US"/>
           </a:p>
@@ -4919,7 +4919,7 @@
           <a:p>
             <a:fld id="{D19AAE9D-61D7-A845-B687-5F14A6752CE6}" type="datetimeFigureOut">
               <a:rPr lang="en-US" smtClean="0"/>
-              <a:t>2/25/21</a:t>
+              <a:t>12/26/21</a:t>
             </a:fld>
             <a:endParaRPr lang="en-US"/>
           </a:p>
@@ -5157,7 +5157,7 @@
           <a:p>
             <a:fld id="{D19AAE9D-61D7-A845-B687-5F14A6752CE6}" type="datetimeFigureOut">
               <a:rPr lang="en-US" smtClean="0"/>
-              <a:t>2/25/21</a:t>
+              <a:t>12/26/21</a:t>
             </a:fld>
             <a:endParaRPr lang="en-US"/>
           </a:p>
@@ -5357,7 +5357,7 @@
           <a:p>
             <a:fld id="{D19AAE9D-61D7-A845-B687-5F14A6752CE6}" type="datetimeFigureOut">
               <a:rPr lang="en-US" smtClean="0"/>
-              <a:t>2/25/21</a:t>
+              <a:t>12/26/21</a:t>
             </a:fld>
             <a:endParaRPr lang="en-US"/>
           </a:p>
@@ -5633,7 +5633,7 @@
           <a:p>
             <a:fld id="{D19AAE9D-61D7-A845-B687-5F14A6752CE6}" type="datetimeFigureOut">
               <a:rPr lang="en-US" smtClean="0"/>
-              <a:t>2/25/21</a:t>
+              <a:t>12/26/21</a:t>
             </a:fld>
             <a:endParaRPr lang="en-US"/>
           </a:p>
@@ -5899,7 +5899,7 @@
           <a:p>
             <a:fld id="{D19AAE9D-61D7-A845-B687-5F14A6752CE6}" type="datetimeFigureOut">
               <a:rPr lang="en-US" smtClean="0"/>
-              <a:t>2/25/21</a:t>
+              <a:t>12/26/21</a:t>
             </a:fld>
             <a:endParaRPr lang="en-US"/>
           </a:p>
@@ -6273,7 +6273,7 @@
           <a:p>
             <a:fld id="{D19AAE9D-61D7-A845-B687-5F14A6752CE6}" type="datetimeFigureOut">
               <a:rPr lang="en-US" smtClean="0"/>
-              <a:t>2/25/21</a:t>
+              <a:t>12/26/21</a:t>
             </a:fld>
             <a:endParaRPr lang="en-US"/>
           </a:p>
@@ -6421,7 +6421,7 @@
           <a:p>
             <a:fld id="{D19AAE9D-61D7-A845-B687-5F14A6752CE6}" type="datetimeFigureOut">
               <a:rPr lang="en-US" smtClean="0"/>
-              <a:t>2/25/21</a:t>
+              <a:t>12/26/21</a:t>
             </a:fld>
             <a:endParaRPr lang="en-US"/>
           </a:p>
@@ -6546,7 +6546,7 @@
           <a:p>
             <a:fld id="{D19AAE9D-61D7-A845-B687-5F14A6752CE6}" type="datetimeFigureOut">
               <a:rPr lang="en-US" smtClean="0"/>
-              <a:t>2/25/21</a:t>
+              <a:t>12/26/21</a:t>
             </a:fld>
             <a:endParaRPr lang="en-US"/>
           </a:p>
@@ -6831,7 +6831,7 @@
           <a:p>
             <a:fld id="{D19AAE9D-61D7-A845-B687-5F14A6752CE6}" type="datetimeFigureOut">
               <a:rPr lang="en-US" smtClean="0"/>
-              <a:t>2/25/21</a:t>
+              <a:t>12/26/21</a:t>
             </a:fld>
             <a:endParaRPr lang="en-US"/>
           </a:p>
@@ -7155,7 +7155,7 @@
           <a:p>
             <a:fld id="{D19AAE9D-61D7-A845-B687-5F14A6752CE6}" type="datetimeFigureOut">
               <a:rPr lang="en-US" smtClean="0"/>
-              <a:t>2/25/21</a:t>
+              <a:t>12/26/21</a:t>
             </a:fld>
             <a:endParaRPr lang="en-US"/>
           </a:p>
@@ -7369,7 +7369,7 @@
           <a:p>
             <a:fld id="{D19AAE9D-61D7-A845-B687-5F14A6752CE6}" type="datetimeFigureOut">
               <a:rPr lang="en-US" smtClean="0"/>
-              <a:t>2/25/21</a:t>
+              <a:t>12/26/21</a:t>
             </a:fld>
             <a:endParaRPr lang="en-US"/>
           </a:p>
